--- a/GATE/Operating System 10% - Completed/CH 04 - Deadlock - completed/Types of Questions from Deadlock.pptx
+++ b/GATE/Operating System 10% - Completed/CH 04 - Deadlock - completed/Types of Questions from Deadlock.pptx
@@ -270,7 +270,7 @@
           <a:p>
             <a:fld id="{E4F1B1F8-F115-404C-B284-5ADDE36D7DDB}" type="datetimeFigureOut">
               <a:rPr lang="en-IN" smtClean="0"/>
-              <a:t>27-11-2025</a:t>
+              <a:t>20-12-2025</a:t>
             </a:fld>
             <a:endParaRPr lang="en-IN"/>
           </a:p>
@@ -470,7 +470,7 @@
           <a:p>
             <a:fld id="{E4F1B1F8-F115-404C-B284-5ADDE36D7DDB}" type="datetimeFigureOut">
               <a:rPr lang="en-IN" smtClean="0"/>
-              <a:t>27-11-2025</a:t>
+              <a:t>20-12-2025</a:t>
             </a:fld>
             <a:endParaRPr lang="en-IN"/>
           </a:p>
@@ -680,7 +680,7 @@
           <a:p>
             <a:fld id="{E4F1B1F8-F115-404C-B284-5ADDE36D7DDB}" type="datetimeFigureOut">
               <a:rPr lang="en-IN" smtClean="0"/>
-              <a:t>27-11-2025</a:t>
+              <a:t>20-12-2025</a:t>
             </a:fld>
             <a:endParaRPr lang="en-IN"/>
           </a:p>
@@ -880,7 +880,7 @@
           <a:p>
             <a:fld id="{E4F1B1F8-F115-404C-B284-5ADDE36D7DDB}" type="datetimeFigureOut">
               <a:rPr lang="en-IN" smtClean="0"/>
-              <a:t>27-11-2025</a:t>
+              <a:t>20-12-2025</a:t>
             </a:fld>
             <a:endParaRPr lang="en-IN"/>
           </a:p>
@@ -1156,7 +1156,7 @@
           <a:p>
             <a:fld id="{E4F1B1F8-F115-404C-B284-5ADDE36D7DDB}" type="datetimeFigureOut">
               <a:rPr lang="en-IN" smtClean="0"/>
-              <a:t>27-11-2025</a:t>
+              <a:t>20-12-2025</a:t>
             </a:fld>
             <a:endParaRPr lang="en-IN"/>
           </a:p>
@@ -1424,7 +1424,7 @@
           <a:p>
             <a:fld id="{E4F1B1F8-F115-404C-B284-5ADDE36D7DDB}" type="datetimeFigureOut">
               <a:rPr lang="en-IN" smtClean="0"/>
-              <a:t>27-11-2025</a:t>
+              <a:t>20-12-2025</a:t>
             </a:fld>
             <a:endParaRPr lang="en-IN"/>
           </a:p>
@@ -1839,7 +1839,7 @@
           <a:p>
             <a:fld id="{E4F1B1F8-F115-404C-B284-5ADDE36D7DDB}" type="datetimeFigureOut">
               <a:rPr lang="en-IN" smtClean="0"/>
-              <a:t>27-11-2025</a:t>
+              <a:t>20-12-2025</a:t>
             </a:fld>
             <a:endParaRPr lang="en-IN"/>
           </a:p>
@@ -1981,7 +1981,7 @@
           <a:p>
             <a:fld id="{E4F1B1F8-F115-404C-B284-5ADDE36D7DDB}" type="datetimeFigureOut">
               <a:rPr lang="en-IN" smtClean="0"/>
-              <a:t>27-11-2025</a:t>
+              <a:t>20-12-2025</a:t>
             </a:fld>
             <a:endParaRPr lang="en-IN"/>
           </a:p>
@@ -2094,7 +2094,7 @@
           <a:p>
             <a:fld id="{E4F1B1F8-F115-404C-B284-5ADDE36D7DDB}" type="datetimeFigureOut">
               <a:rPr lang="en-IN" smtClean="0"/>
-              <a:t>27-11-2025</a:t>
+              <a:t>20-12-2025</a:t>
             </a:fld>
             <a:endParaRPr lang="en-IN"/>
           </a:p>
@@ -2407,7 +2407,7 @@
           <a:p>
             <a:fld id="{E4F1B1F8-F115-404C-B284-5ADDE36D7DDB}" type="datetimeFigureOut">
               <a:rPr lang="en-IN" smtClean="0"/>
-              <a:t>27-11-2025</a:t>
+              <a:t>20-12-2025</a:t>
             </a:fld>
             <a:endParaRPr lang="en-IN"/>
           </a:p>
@@ -2696,7 +2696,7 @@
           <a:p>
             <a:fld id="{E4F1B1F8-F115-404C-B284-5ADDE36D7DDB}" type="datetimeFigureOut">
               <a:rPr lang="en-IN" smtClean="0"/>
-              <a:t>27-11-2025</a:t>
+              <a:t>20-12-2025</a:t>
             </a:fld>
             <a:endParaRPr lang="en-IN"/>
           </a:p>
@@ -2939,7 +2939,7 @@
           <a:p>
             <a:fld id="{E4F1B1F8-F115-404C-B284-5ADDE36D7DDB}" type="datetimeFigureOut">
               <a:rPr lang="en-IN" smtClean="0"/>
-              <a:t>27-11-2025</a:t>
+              <a:t>20-12-2025</a:t>
             </a:fld>
             <a:endParaRPr lang="en-IN"/>
           </a:p>
@@ -3674,6 +3674,45 @@
           </a:prstGeom>
         </p:spPr>
       </p:pic>
+      <p:sp>
+        <p:nvSpPr>
+          <p:cNvPr id="4" name="TextBox 3">
+            <a:extLst>
+              <a:ext uri="{FF2B5EF4-FFF2-40B4-BE49-F238E27FC236}">
+                <a16:creationId xmlns:a16="http://schemas.microsoft.com/office/drawing/2014/main" id="{A1D16181-F9B4-4DF1-A03D-BF768D691DC0}"/>
+              </a:ext>
+            </a:extLst>
+          </p:cNvPr>
+          <p:cNvSpPr txBox="1"/>
+          <p:nvPr/>
+        </p:nvSpPr>
+        <p:spPr>
+          <a:xfrm>
+            <a:off x="2925351" y="230111"/>
+            <a:ext cx="6341295" cy="584775"/>
+          </a:xfrm>
+          <a:prstGeom prst="rect">
+            <a:avLst/>
+          </a:prstGeom>
+          <a:noFill/>
+        </p:spPr>
+        <p:txBody>
+          <a:bodyPr wrap="square">
+            <a:spAutoFit/>
+          </a:bodyPr>
+          <a:lstStyle/>
+          <a:p>
+            <a:r>
+              <a:rPr lang="en-IN" sz="3200" b="1" dirty="0">
+                <a:solidFill>
+                  <a:srgbClr val="FF0000"/>
+                </a:solidFill>
+              </a:rPr>
+              <a:t>Universal Formula : R = N ( K - 1 ) + 1</a:t>
+            </a:r>
+          </a:p>
+        </p:txBody>
+      </p:sp>
     </p:spTree>
     <p:extLst>
       <p:ext uri="{BB962C8B-B14F-4D97-AF65-F5344CB8AC3E}">
@@ -3932,7 +3971,11 @@
           <a:bodyPr/>
           <a:lstStyle/>
           <a:p>
-            <a:endParaRPr lang="en-IN"/>
+            <a:endParaRPr lang="en-IN" b="1" dirty="0">
+              <a:solidFill>
+                <a:srgbClr val="FF0000"/>
+              </a:solidFill>
+            </a:endParaRPr>
           </a:p>
         </p:txBody>
       </p:sp>
